--- a/activity_database/1_concept/Vision.pptx
+++ b/activity_database/1_concept/Vision.pptx
@@ -215,7 +215,7 @@
             <a:pPr rtl="0"/>
             <a:fld id="{56DADB92-5A40-4548-A046-8AEB98C0DD04}" type="datetime1">
               <a:rPr lang="de-DE" smtClean="0"/>
-              <a:t>15.03.2022</a:t>
+              <a:t>16.03.2022</a:t>
             </a:fld>
             <a:endParaRPr lang="en-US" dirty="0"/>
           </a:p>
@@ -385,7 +385,7 @@
             <a:pPr rtl="0"/>
             <a:fld id="{EF940F88-494A-4E01-94D4-AE1E94A94A13}" type="datetime1">
               <a:rPr lang="de-DE" smtClean="0"/>
-              <a:t>15.03.2022</a:t>
+              <a:t>16.03.2022</a:t>
             </a:fld>
             <a:endParaRPr lang="en-US"/>
           </a:p>
@@ -2499,7 +2499,7 @@
             <a:pPr rtl="0"/>
             <a:fld id="{A300BC7A-40BD-4995-A1E1-D110562E1CAF}" type="datetime1">
               <a:rPr lang="de-DE" smtClean="0"/>
-              <a:t>15.03.2022</a:t>
+              <a:t>16.03.2022</a:t>
             </a:fld>
             <a:endParaRPr lang="en-US" dirty="0"/>
           </a:p>
@@ -2705,7 +2705,7 @@
             <a:pPr rtl="0"/>
             <a:fld id="{22E67CFE-7EBA-4741-B861-ECB9C16040ED}" type="datetime1">
               <a:rPr lang="de-DE" smtClean="0"/>
-              <a:t>15.03.2022</a:t>
+              <a:t>16.03.2022</a:t>
             </a:fld>
             <a:endParaRPr lang="en-US"/>
           </a:p>
@@ -2889,7 +2889,7 @@
             <a:pPr rtl="0"/>
             <a:fld id="{1F8D19ED-1661-49DB-ABA8-9D40E25065BC}" type="datetime1">
               <a:rPr lang="de-DE" smtClean="0"/>
-              <a:t>15.03.2022</a:t>
+              <a:t>16.03.2022</a:t>
             </a:fld>
             <a:endParaRPr lang="en-US"/>
           </a:p>
@@ -4639,7 +4639,7 @@
             <a:pPr rtl="0"/>
             <a:fld id="{FB7C0C16-5521-4517-AFDE-676F786A1296}" type="datetime1">
               <a:rPr lang="de-DE" smtClean="0"/>
-              <a:t>15.03.2022</a:t>
+              <a:t>16.03.2022</a:t>
             </a:fld>
             <a:endParaRPr lang="en-US"/>
           </a:p>
@@ -5242,7 +5242,7 @@
             <a:pPr rtl="0"/>
             <a:fld id="{D2E29C69-043E-4C13-9AB0-9F83C784042E}" type="datetime1">
               <a:rPr lang="de-DE" smtClean="0"/>
-              <a:t>15.03.2022</a:t>
+              <a:t>16.03.2022</a:t>
             </a:fld>
             <a:endParaRPr lang="en-US" dirty="0"/>
           </a:p>
@@ -5566,7 +5566,7 @@
             <a:pPr rtl="0"/>
             <a:fld id="{3749D4E4-B5C3-4E44-B86B-E426DECF8177}" type="datetime1">
               <a:rPr lang="de-DE" smtClean="0"/>
-              <a:t>15.03.2022</a:t>
+              <a:t>16.03.2022</a:t>
             </a:fld>
             <a:endParaRPr lang="en-US"/>
           </a:p>
@@ -6007,7 +6007,7 @@
             <a:pPr rtl="0"/>
             <a:fld id="{424063BC-01CA-4504-9E02-5CE33589BDD7}" type="datetime1">
               <a:rPr lang="de-DE" smtClean="0"/>
-              <a:t>15.03.2022</a:t>
+              <a:t>16.03.2022</a:t>
             </a:fld>
             <a:endParaRPr lang="en-US"/>
           </a:p>
@@ -6129,7 +6129,7 @@
             <a:pPr rtl="0"/>
             <a:fld id="{39FD4553-CB32-4C01-936B-782A1F0D4534}" type="datetime1">
               <a:rPr lang="de-DE" smtClean="0"/>
-              <a:t>15.03.2022</a:t>
+              <a:t>16.03.2022</a:t>
             </a:fld>
             <a:endParaRPr lang="en-US"/>
           </a:p>
@@ -6227,7 +6227,7 @@
             <a:pPr rtl="0"/>
             <a:fld id="{10BE4C6E-AE98-44D9-9539-7D07295E3F62}" type="datetime1">
               <a:rPr lang="de-DE" smtClean="0"/>
-              <a:t>15.03.2022</a:t>
+              <a:t>16.03.2022</a:t>
             </a:fld>
             <a:endParaRPr lang="en-US"/>
           </a:p>
@@ -6648,7 +6648,7 @@
             <a:pPr rtl="0"/>
             <a:fld id="{0BED7F17-BB87-4D21-B0B9-FC3CEC7BA3BA}" type="datetime1">
               <a:rPr lang="de-DE" smtClean="0"/>
-              <a:t>15.03.2022</a:t>
+              <a:t>16.03.2022</a:t>
             </a:fld>
             <a:endParaRPr lang="en-US"/>
           </a:p>
@@ -6913,7 +6913,7 @@
             <a:pPr rtl="0"/>
             <a:fld id="{5CE950D3-0446-4476-9960-01D89E840E5D}" type="datetime1">
               <a:rPr lang="de-DE" smtClean="0"/>
-              <a:t>15.03.2022</a:t>
+              <a:t>16.03.2022</a:t>
             </a:fld>
             <a:endParaRPr lang="en-US" dirty="0"/>
           </a:p>
@@ -7433,7 +7433,7 @@
             <a:pPr rtl="0"/>
             <a:fld id="{36B4A689-DE7A-460E-9036-381728EAF560}" type="datetime1">
               <a:rPr lang="de-DE" smtClean="0"/>
-              <a:t>15.03.2022</a:t>
+              <a:t>16.03.2022</a:t>
             </a:fld>
             <a:endParaRPr lang="en-US" dirty="0"/>
           </a:p>
@@ -10046,7 +10046,7 @@
             <a:pPr rtl="0"/>
             <a:fld id="{D2E29C69-043E-4C13-9AB0-9F83C784042E}" type="datetime1">
               <a:rPr lang="de-DE" smtClean="0"/>
-              <a:t>15.03.2022</a:t>
+              <a:t>16.03.2022</a:t>
             </a:fld>
             <a:endParaRPr lang="en-US" dirty="0"/>
           </a:p>
@@ -10728,6 +10728,65 @@
                 </a:solidFill>
               </a:rPr>
               <a:t>…</a:t>
+            </a:r>
+          </a:p>
+          <a:p>
+            <a:pPr indent="-380990">
+              <a:lnSpc>
+                <a:spcPct val="100000"/>
+              </a:lnSpc>
+              <a:buClr>
+                <a:schemeClr val="dk1"/>
+              </a:buClr>
+              <a:buSzPts val="900"/>
+            </a:pPr>
+            <a:r>
+              <a:rPr lang="de-DE" sz="1600" dirty="0">
+                <a:solidFill>
+                  <a:schemeClr val="dk1"/>
+                </a:solidFill>
+              </a:rPr>
+              <a:t>Kinder:</a:t>
+            </a:r>
+          </a:p>
+          <a:p>
+            <a:pPr lvl="1" indent="-380990">
+              <a:buClr>
+                <a:schemeClr val="dk1"/>
+              </a:buClr>
+              <a:buSzPts val="900"/>
+            </a:pPr>
+            <a:r>
+              <a:rPr lang="de-DE" sz="1400" dirty="0">
+                <a:solidFill>
+                  <a:schemeClr val="dk1"/>
+                </a:solidFill>
+              </a:rPr>
+              <a:t>Dinge die ich machen kann im Alter von x bis y / von a bis b / …</a:t>
+            </a:r>
+          </a:p>
+          <a:p>
+            <a:pPr indent="-380990">
+              <a:buClr>
+                <a:schemeClr val="dk1"/>
+              </a:buClr>
+              <a:buSzPts val="900"/>
+            </a:pPr>
+            <a:r>
+              <a:rPr lang="de-DE" sz="1667" dirty="0">
+                <a:solidFill>
+                  <a:schemeClr val="dk1"/>
+                </a:solidFill>
+              </a:rPr>
+              <a:t>Link zu den </a:t>
+            </a:r>
+            <a:r>
+              <a:rPr lang="de-DE" sz="1667">
+                <a:solidFill>
+                  <a:schemeClr val="dk1"/>
+                </a:solidFill>
+              </a:rPr>
+              <a:t>anderen Services</a:t>
             </a:r>
             <a:endParaRPr lang="de-DE" sz="1667" dirty="0">
               <a:solidFill>
@@ -10898,7 +10957,7 @@
             <a:pPr rtl="0"/>
             <a:fld id="{D2E29C69-043E-4C13-9AB0-9F83C784042E}" type="datetime1">
               <a:rPr lang="de-DE" smtClean="0"/>
-              <a:t>15.03.2022</a:t>
+              <a:t>16.03.2022</a:t>
             </a:fld>
             <a:endParaRPr lang="en-US" dirty="0"/>
           </a:p>
